--- a/data-system/ZooKeeper_share1_v6.pptx
+++ b/data-system/ZooKeeper_share1_v6.pptx
@@ -42,8 +42,8 @@
     <p:sldId id="288" r:id="rId33"/>
     <p:sldId id="289" r:id="rId34"/>
     <p:sldId id="277" r:id="rId35"/>
-    <p:sldId id="278" r:id="rId36"/>
-    <p:sldId id="294" r:id="rId37"/>
+    <p:sldId id="294" r:id="rId36"/>
+    <p:sldId id="278" r:id="rId37"/>
     <p:sldId id="293" r:id="rId38"/>
     <p:sldId id="291" r:id="rId39"/>
     <p:sldId id="292" r:id="rId40"/>
@@ -16492,7 +16492,7 @@
         </p:nvSpPr>
         <p:spPr>
           <a:xfrm>
-            <a:off x="1342044" y="537275"/>
+            <a:off x="1291244" y="1007175"/>
             <a:ext cx="9573128" cy="400110"/>
           </a:xfrm>
           <a:prstGeom prst="rect">
@@ -16534,7 +16534,7 @@
         </p:nvSpPr>
         <p:spPr>
           <a:xfrm>
-            <a:off x="1307408" y="3354365"/>
+            <a:off x="1256608" y="3824265"/>
             <a:ext cx="9573128" cy="400110"/>
           </a:xfrm>
           <a:prstGeom prst="rect">
@@ -16576,7 +16576,7 @@
         </p:nvSpPr>
         <p:spPr>
           <a:xfrm>
-            <a:off x="1342042" y="952912"/>
+            <a:off x="1291242" y="1422812"/>
             <a:ext cx="9573128" cy="1938992"/>
           </a:xfrm>
           <a:prstGeom prst="rect">
@@ -16683,7 +16683,7 @@
         </p:nvSpPr>
         <p:spPr>
           <a:xfrm>
-            <a:off x="1307407" y="3746910"/>
+            <a:off x="1256607" y="4216810"/>
             <a:ext cx="9573128" cy="400110"/>
           </a:xfrm>
           <a:prstGeom prst="rect">
@@ -16725,7 +16725,7 @@
         </p:nvSpPr>
         <p:spPr>
           <a:xfrm>
-            <a:off x="1307407" y="4139455"/>
+            <a:off x="1256607" y="4609355"/>
             <a:ext cx="9573128" cy="400110"/>
           </a:xfrm>
           <a:prstGeom prst="rect">
@@ -17276,181 +17276,6 @@
 </file>
 
 <file path=ppt/slides/slide35.xml><?xml version="1.0" encoding="utf-8"?>
-<p:sld xmlns:a="http://schemas.openxmlformats.org/drawingml/2006/main" xmlns:r="http://schemas.openxmlformats.org/officeDocument/2006/relationships" xmlns:p="http://schemas.openxmlformats.org/presentationml/2006/main">
-  <p:cSld>
-    <p:spTree>
-      <p:nvGrpSpPr>
-        <p:cNvPr id="1" name=""/>
-        <p:cNvGrpSpPr/>
-        <p:nvPr/>
-      </p:nvGrpSpPr>
-      <p:grpSpPr>
-        <a:xfrm>
-          <a:off x="0" y="0"/>
-          <a:ext cx="0" cy="0"/>
-          <a:chOff x="0" y="0"/>
-          <a:chExt cx="0" cy="0"/>
-        </a:xfrm>
-      </p:grpSpPr>
-      <p:sp>
-        <p:nvSpPr>
-          <p:cNvPr id="4" name="文本框 3"/>
-          <p:cNvSpPr txBox="1"/>
-          <p:nvPr/>
-        </p:nvSpPr>
-        <p:spPr>
-          <a:xfrm>
-            <a:off x="951571" y="1080517"/>
-            <a:ext cx="9896401" cy="400110"/>
-          </a:xfrm>
-          <a:prstGeom prst="rect">
-            <a:avLst/>
-          </a:prstGeom>
-          <a:noFill/>
-        </p:spPr>
-        <p:txBody>
-          <a:bodyPr wrap="square" rtlCol="0" anchor="t">
-            <a:spAutoFit/>
-          </a:bodyPr>
-          <a:lstStyle/>
-          <a:p>
-            <a:r>
-              <a:rPr lang="en-US" altLang="zh-CN" sz="2000" dirty="0">
-                <a:latin typeface="微软雅黑"/>
-                <a:ea typeface="微软雅黑"/>
-              </a:rPr>
-              <a:t>ZooKeeper </a:t>
-            </a:r>
-            <a:r>
-              <a:rPr lang="zh-CN" altLang="en-US" sz="2000">
-                <a:latin typeface="微软雅黑"/>
-                <a:ea typeface="微软雅黑"/>
-              </a:rPr>
-              <a:t>除了满足在假设的模型下期望的解决的问题，在实际当中有哪些应用呢？</a:t>
-            </a:r>
-            <a:endParaRPr lang="en-US" altLang="zh-CN" sz="2000" dirty="0">
-              <a:latin typeface="微软雅黑"/>
-              <a:ea typeface="微软雅黑"/>
-            </a:endParaRPr>
-          </a:p>
-        </p:txBody>
-      </p:sp>
-      <p:sp>
-        <p:nvSpPr>
-          <p:cNvPr id="7" name="文本框 3">
-            <a:extLst>
-              <a:ext uri="{FF2B5EF4-FFF2-40B4-BE49-F238E27FC236}">
-                <a16:creationId xmlns:a16="http://schemas.microsoft.com/office/drawing/2014/main" id="{4643E53F-6E19-4C28-961D-27BDFFA014B5}"/>
-              </a:ext>
-            </a:extLst>
-          </p:cNvPr>
-          <p:cNvSpPr txBox="1"/>
-          <p:nvPr/>
-        </p:nvSpPr>
-        <p:spPr>
-          <a:xfrm>
-            <a:off x="951571" y="2050336"/>
-            <a:ext cx="9896400" cy="3170099"/>
-          </a:xfrm>
-          <a:prstGeom prst="rect">
-            <a:avLst/>
-          </a:prstGeom>
-          <a:noFill/>
-        </p:spPr>
-        <p:txBody>
-          <a:bodyPr wrap="square" rtlCol="0" anchor="t">
-            <a:spAutoFit/>
-          </a:bodyPr>
-          <a:lstStyle/>
-          <a:p>
-            <a:r>
-              <a:rPr lang="en-US" altLang="zh-CN" sz="2000" dirty="0">
-                <a:latin typeface="微软雅黑"/>
-                <a:ea typeface="微软雅黑"/>
-              </a:rPr>
-              <a:t>Hadoop：Hadoop Common HA 模块，HDFS 的 NameNode，YARN 的 </a:t>
-            </a:r>
-            <a:r>
-              <a:rPr lang="en-US" altLang="zh-CN" sz="2000">
-                <a:latin typeface="微软雅黑"/>
-                <a:ea typeface="微软雅黑"/>
-              </a:rPr>
-              <a:t>ResourceManager 基于此 HA 模块实现自己的 HA 功能。YARN 使用 ZooKeeper 存储应用的运行状态。</a:t>
-            </a:r>
-          </a:p>
-          <a:p>
-            <a:endParaRPr lang="en-US" altLang="zh-CN" sz="2000" dirty="0">
-              <a:latin typeface="微软雅黑"/>
-              <a:ea typeface="微软雅黑"/>
-            </a:endParaRPr>
-          </a:p>
-          <a:p>
-            <a:r>
-              <a:rPr lang="en-US" altLang="zh-CN" sz="2000">
-                <a:latin typeface="微软雅黑"/>
-                <a:ea typeface="微软雅黑"/>
-              </a:rPr>
-              <a:t>Hbase：RegionServer 依赖 ZooKeeper 实现高可用，并使用 ZooKeeper 存储元数据。</a:t>
-            </a:r>
-            <a:endParaRPr lang="en-US" altLang="zh-CN" sz="2000">
-              <a:latin typeface="微软雅黑" panose="020B0503020204020204" pitchFamily="34" charset="-122"/>
-              <a:ea typeface="微软雅黑" panose="020B0503020204020204" pitchFamily="34" charset="-122"/>
-            </a:endParaRPr>
-          </a:p>
-          <a:p>
-            <a:endParaRPr lang="en-US" altLang="zh-CN" sz="2000" dirty="0">
-              <a:latin typeface="微软雅黑"/>
-              <a:ea typeface="微软雅黑"/>
-            </a:endParaRPr>
-          </a:p>
-          <a:p>
-            <a:r>
-              <a:rPr lang="en-US" altLang="zh-CN" sz="2000">
-                <a:latin typeface="微软雅黑"/>
-                <a:ea typeface="微软雅黑"/>
-              </a:rPr>
-              <a:t>Kafka：Broker 信息，分区数据均衡，生产者，消费者偏移量。</a:t>
-            </a:r>
-            <a:endParaRPr lang="en-US" altLang="zh-CN" sz="2000">
-              <a:latin typeface="微软雅黑" panose="020B0503020204020204" pitchFamily="34" charset="-122"/>
-              <a:ea typeface="微软雅黑" panose="020B0503020204020204" pitchFamily="34" charset="-122"/>
-            </a:endParaRPr>
-          </a:p>
-          <a:p>
-            <a:endParaRPr lang="en-US" altLang="zh-CN" sz="2000" dirty="0">
-              <a:latin typeface="微软雅黑"/>
-              <a:ea typeface="微软雅黑"/>
-            </a:endParaRPr>
-          </a:p>
-          <a:p>
-            <a:r>
-              <a:rPr lang="en-US" altLang="zh-CN" sz="2000">
-                <a:latin typeface="微软雅黑"/>
-                <a:ea typeface="微软雅黑"/>
-              </a:rPr>
-              <a:t>Dubbo：用于服务的注册和订阅。</a:t>
-            </a:r>
-            <a:endParaRPr lang="en-US" altLang="zh-CN" sz="2000">
-              <a:latin typeface="微软雅黑" panose="020B0503020204020204" pitchFamily="34" charset="-122"/>
-              <a:ea typeface="微软雅黑" panose="020B0503020204020204" pitchFamily="34" charset="-122"/>
-            </a:endParaRPr>
-          </a:p>
-        </p:txBody>
-      </p:sp>
-    </p:spTree>
-    <p:extLst>
-      <p:ext uri="{BB962C8B-B14F-4D97-AF65-F5344CB8AC3E}">
-        <p14:creationId xmlns:p14="http://schemas.microsoft.com/office/powerpoint/2010/main" val="298002368"/>
-      </p:ext>
-    </p:extLst>
-  </p:cSld>
-  <p:clrMapOvr>
-    <a:masterClrMapping/>
-  </p:clrMapOvr>
-</p:sld>
-</file>
-
-<file path=ppt/slides/slide36.xml><?xml version="1.0" encoding="utf-8"?>
 <p:sld xmlns:a="http://schemas.openxmlformats.org/drawingml/2006/main" xmlns:r="http://schemas.openxmlformats.org/officeDocument/2006/relationships" xmlns:p="http://schemas.openxmlformats.org/presentationml/2006/main">
   <p:cSld>
     <p:spTree>
@@ -17621,6 +17446,181 @@
     <p:extLst>
       <p:ext uri="{BB962C8B-B14F-4D97-AF65-F5344CB8AC3E}">
         <p14:creationId xmlns:p14="http://schemas.microsoft.com/office/powerpoint/2010/main" val="3014613415"/>
+      </p:ext>
+    </p:extLst>
+  </p:cSld>
+  <p:clrMapOvr>
+    <a:masterClrMapping/>
+  </p:clrMapOvr>
+</p:sld>
+</file>
+
+<file path=ppt/slides/slide36.xml><?xml version="1.0" encoding="utf-8"?>
+<p:sld xmlns:a="http://schemas.openxmlformats.org/drawingml/2006/main" xmlns:r="http://schemas.openxmlformats.org/officeDocument/2006/relationships" xmlns:p="http://schemas.openxmlformats.org/presentationml/2006/main">
+  <p:cSld>
+    <p:spTree>
+      <p:nvGrpSpPr>
+        <p:cNvPr id="1" name=""/>
+        <p:cNvGrpSpPr/>
+        <p:nvPr/>
+      </p:nvGrpSpPr>
+      <p:grpSpPr>
+        <a:xfrm>
+          <a:off x="0" y="0"/>
+          <a:ext cx="0" cy="0"/>
+          <a:chOff x="0" y="0"/>
+          <a:chExt cx="0" cy="0"/>
+        </a:xfrm>
+      </p:grpSpPr>
+      <p:sp>
+        <p:nvSpPr>
+          <p:cNvPr id="4" name="文本框 3"/>
+          <p:cNvSpPr txBox="1"/>
+          <p:nvPr/>
+        </p:nvSpPr>
+        <p:spPr>
+          <a:xfrm>
+            <a:off x="951571" y="1080517"/>
+            <a:ext cx="9896401" cy="400110"/>
+          </a:xfrm>
+          <a:prstGeom prst="rect">
+            <a:avLst/>
+          </a:prstGeom>
+          <a:noFill/>
+        </p:spPr>
+        <p:txBody>
+          <a:bodyPr wrap="square" rtlCol="0" anchor="t">
+            <a:spAutoFit/>
+          </a:bodyPr>
+          <a:lstStyle/>
+          <a:p>
+            <a:r>
+              <a:rPr lang="en-US" altLang="zh-CN" sz="2000" dirty="0">
+                <a:latin typeface="微软雅黑"/>
+                <a:ea typeface="微软雅黑"/>
+              </a:rPr>
+              <a:t>ZooKeeper </a:t>
+            </a:r>
+            <a:r>
+              <a:rPr lang="zh-CN" altLang="en-US" sz="2000">
+                <a:latin typeface="微软雅黑"/>
+                <a:ea typeface="微软雅黑"/>
+              </a:rPr>
+              <a:t>除了满足在假设的模型下期望的解决的问题，在实际当中有哪些应用呢？</a:t>
+            </a:r>
+            <a:endParaRPr lang="en-US" altLang="zh-CN" sz="2000" dirty="0">
+              <a:latin typeface="微软雅黑"/>
+              <a:ea typeface="微软雅黑"/>
+            </a:endParaRPr>
+          </a:p>
+        </p:txBody>
+      </p:sp>
+      <p:sp>
+        <p:nvSpPr>
+          <p:cNvPr id="7" name="文本框 3">
+            <a:extLst>
+              <a:ext uri="{FF2B5EF4-FFF2-40B4-BE49-F238E27FC236}">
+                <a16:creationId xmlns:a16="http://schemas.microsoft.com/office/drawing/2014/main" id="{4643E53F-6E19-4C28-961D-27BDFFA014B5}"/>
+              </a:ext>
+            </a:extLst>
+          </p:cNvPr>
+          <p:cNvSpPr txBox="1"/>
+          <p:nvPr/>
+        </p:nvSpPr>
+        <p:spPr>
+          <a:xfrm>
+            <a:off x="951571" y="2050336"/>
+            <a:ext cx="9896400" cy="3170099"/>
+          </a:xfrm>
+          <a:prstGeom prst="rect">
+            <a:avLst/>
+          </a:prstGeom>
+          <a:noFill/>
+        </p:spPr>
+        <p:txBody>
+          <a:bodyPr wrap="square" rtlCol="0" anchor="t">
+            <a:spAutoFit/>
+          </a:bodyPr>
+          <a:lstStyle/>
+          <a:p>
+            <a:r>
+              <a:rPr lang="en-US" altLang="zh-CN" sz="2000" dirty="0">
+                <a:latin typeface="微软雅黑"/>
+                <a:ea typeface="微软雅黑"/>
+              </a:rPr>
+              <a:t>Hadoop：Hadoop Common HA 模块，HDFS 的 NameNode，YARN 的 </a:t>
+            </a:r>
+            <a:r>
+              <a:rPr lang="en-US" altLang="zh-CN" sz="2000">
+                <a:latin typeface="微软雅黑"/>
+                <a:ea typeface="微软雅黑"/>
+              </a:rPr>
+              <a:t>ResourceManager 基于此 HA 模块实现自己的 HA 功能。YARN 使用 ZooKeeper 存储应用的运行状态。</a:t>
+            </a:r>
+          </a:p>
+          <a:p>
+            <a:endParaRPr lang="en-US" altLang="zh-CN" sz="2000" dirty="0">
+              <a:latin typeface="微软雅黑"/>
+              <a:ea typeface="微软雅黑"/>
+            </a:endParaRPr>
+          </a:p>
+          <a:p>
+            <a:r>
+              <a:rPr lang="en-US" altLang="zh-CN" sz="2000">
+                <a:latin typeface="微软雅黑"/>
+                <a:ea typeface="微软雅黑"/>
+              </a:rPr>
+              <a:t>Hbase：RegionServer 依赖 ZooKeeper 实现高可用，并使用 ZooKeeper 存储元数据。</a:t>
+            </a:r>
+            <a:endParaRPr lang="en-US" altLang="zh-CN" sz="2000">
+              <a:latin typeface="微软雅黑" panose="020B0503020204020204" pitchFamily="34" charset="-122"/>
+              <a:ea typeface="微软雅黑" panose="020B0503020204020204" pitchFamily="34" charset="-122"/>
+            </a:endParaRPr>
+          </a:p>
+          <a:p>
+            <a:endParaRPr lang="en-US" altLang="zh-CN" sz="2000" dirty="0">
+              <a:latin typeface="微软雅黑"/>
+              <a:ea typeface="微软雅黑"/>
+            </a:endParaRPr>
+          </a:p>
+          <a:p>
+            <a:r>
+              <a:rPr lang="en-US" altLang="zh-CN" sz="2000">
+                <a:latin typeface="微软雅黑"/>
+                <a:ea typeface="微软雅黑"/>
+              </a:rPr>
+              <a:t>Kafka：Broker 信息，分区数据均衡，生产者，消费者偏移量。</a:t>
+            </a:r>
+            <a:endParaRPr lang="en-US" altLang="zh-CN" sz="2000">
+              <a:latin typeface="微软雅黑" panose="020B0503020204020204" pitchFamily="34" charset="-122"/>
+              <a:ea typeface="微软雅黑" panose="020B0503020204020204" pitchFamily="34" charset="-122"/>
+            </a:endParaRPr>
+          </a:p>
+          <a:p>
+            <a:endParaRPr lang="en-US" altLang="zh-CN" sz="2000" dirty="0">
+              <a:latin typeface="微软雅黑"/>
+              <a:ea typeface="微软雅黑"/>
+            </a:endParaRPr>
+          </a:p>
+          <a:p>
+            <a:r>
+              <a:rPr lang="en-US" altLang="zh-CN" sz="2000">
+                <a:latin typeface="微软雅黑"/>
+                <a:ea typeface="微软雅黑"/>
+              </a:rPr>
+              <a:t>Dubbo：用于服务的注册和订阅。</a:t>
+            </a:r>
+            <a:endParaRPr lang="en-US" altLang="zh-CN" sz="2000">
+              <a:latin typeface="微软雅黑" panose="020B0503020204020204" pitchFamily="34" charset="-122"/>
+              <a:ea typeface="微软雅黑" panose="020B0503020204020204" pitchFamily="34" charset="-122"/>
+            </a:endParaRPr>
+          </a:p>
+        </p:txBody>
+      </p:sp>
+    </p:spTree>
+    <p:extLst>
+      <p:ext uri="{BB962C8B-B14F-4D97-AF65-F5344CB8AC3E}">
+        <p14:creationId xmlns:p14="http://schemas.microsoft.com/office/powerpoint/2010/main" val="298002368"/>
       </p:ext>
     </p:extLst>
   </p:cSld>
